--- a/ChildcareCostsDisparities/ChildcareCostsDisparities.pptx
+++ b/ChildcareCostsDisparities/ChildcareCostsDisparities.pptx
@@ -203,7 +203,7 @@
           <a:p>
             <a:fld id="{65C12AC1-C2F5-CD41-AD2F-331C12AEBE19}" type="datetimeFigureOut">
               <a:rPr lang="en-US" smtClean="0"/>
-              <a:t>9/29/25</a:t>
+              <a:t>11/15/25</a:t>
             </a:fld>
             <a:endParaRPr lang="en-US"/>
           </a:p>
@@ -617,7 +617,7 @@
           <a:p>
             <a:fld id="{C6C31A77-B5B9-E449-895F-2D7E833DDA3B}" type="datetimeFigureOut">
               <a:rPr lang="en-US" smtClean="0"/>
-              <a:t>9/29/25</a:t>
+              <a:t>11/15/25</a:t>
             </a:fld>
             <a:endParaRPr lang="en-US"/>
           </a:p>
@@ -815,7 +815,7 @@
           <a:p>
             <a:fld id="{C6C31A77-B5B9-E449-895F-2D7E833DDA3B}" type="datetimeFigureOut">
               <a:rPr lang="en-US" smtClean="0"/>
-              <a:t>9/29/25</a:t>
+              <a:t>11/15/25</a:t>
             </a:fld>
             <a:endParaRPr lang="en-US"/>
           </a:p>
@@ -1023,7 +1023,7 @@
           <a:p>
             <a:fld id="{C6C31A77-B5B9-E449-895F-2D7E833DDA3B}" type="datetimeFigureOut">
               <a:rPr lang="en-US" smtClean="0"/>
-              <a:t>9/29/25</a:t>
+              <a:t>11/15/25</a:t>
             </a:fld>
             <a:endParaRPr lang="en-US"/>
           </a:p>
@@ -1221,7 +1221,7 @@
           <a:p>
             <a:fld id="{C6C31A77-B5B9-E449-895F-2D7E833DDA3B}" type="datetimeFigureOut">
               <a:rPr lang="en-US" smtClean="0"/>
-              <a:t>9/29/25</a:t>
+              <a:t>11/15/25</a:t>
             </a:fld>
             <a:endParaRPr lang="en-US"/>
           </a:p>
@@ -1496,7 +1496,7 @@
           <a:p>
             <a:fld id="{C6C31A77-B5B9-E449-895F-2D7E833DDA3B}" type="datetimeFigureOut">
               <a:rPr lang="en-US" smtClean="0"/>
-              <a:t>9/29/25</a:t>
+              <a:t>11/15/25</a:t>
             </a:fld>
             <a:endParaRPr lang="en-US"/>
           </a:p>
@@ -1761,7 +1761,7 @@
           <a:p>
             <a:fld id="{C6C31A77-B5B9-E449-895F-2D7E833DDA3B}" type="datetimeFigureOut">
               <a:rPr lang="en-US" smtClean="0"/>
-              <a:t>9/29/25</a:t>
+              <a:t>11/15/25</a:t>
             </a:fld>
             <a:endParaRPr lang="en-US"/>
           </a:p>
@@ -2173,7 +2173,7 @@
           <a:p>
             <a:fld id="{C6C31A77-B5B9-E449-895F-2D7E833DDA3B}" type="datetimeFigureOut">
               <a:rPr lang="en-US" smtClean="0"/>
-              <a:t>9/29/25</a:t>
+              <a:t>11/15/25</a:t>
             </a:fld>
             <a:endParaRPr lang="en-US"/>
           </a:p>
@@ -2314,7 +2314,7 @@
           <a:p>
             <a:fld id="{C6C31A77-B5B9-E449-895F-2D7E833DDA3B}" type="datetimeFigureOut">
               <a:rPr lang="en-US" smtClean="0"/>
-              <a:t>9/29/25</a:t>
+              <a:t>11/15/25</a:t>
             </a:fld>
             <a:endParaRPr lang="en-US"/>
           </a:p>
@@ -2427,7 +2427,7 @@
           <a:p>
             <a:fld id="{C6C31A77-B5B9-E449-895F-2D7E833DDA3B}" type="datetimeFigureOut">
               <a:rPr lang="en-US" smtClean="0"/>
-              <a:t>9/29/25</a:t>
+              <a:t>11/15/25</a:t>
             </a:fld>
             <a:endParaRPr lang="en-US"/>
           </a:p>
@@ -2738,7 +2738,7 @@
           <a:p>
             <a:fld id="{C6C31A77-B5B9-E449-895F-2D7E833DDA3B}" type="datetimeFigureOut">
               <a:rPr lang="en-US" smtClean="0"/>
-              <a:t>9/29/25</a:t>
+              <a:t>11/15/25</a:t>
             </a:fld>
             <a:endParaRPr lang="en-US"/>
           </a:p>
@@ -3026,7 +3026,7 @@
           <a:p>
             <a:fld id="{C6C31A77-B5B9-E449-895F-2D7E833DDA3B}" type="datetimeFigureOut">
               <a:rPr lang="en-US" smtClean="0"/>
-              <a:t>9/29/25</a:t>
+              <a:t>11/15/25</a:t>
             </a:fld>
             <a:endParaRPr lang="en-US"/>
           </a:p>
@@ -3267,7 +3267,7 @@
           <a:p>
             <a:fld id="{C6C31A77-B5B9-E449-895F-2D7E833DDA3B}" type="datetimeFigureOut">
               <a:rPr lang="en-US" smtClean="0"/>
-              <a:t>9/29/25</a:t>
+              <a:t>11/15/25</a:t>
             </a:fld>
             <a:endParaRPr lang="en-US"/>
           </a:p>
@@ -3714,80 +3714,6 @@
           </a:prstGeom>
         </p:spPr>
       </p:pic>
-      <p:sp>
-        <p:nvSpPr>
-          <p:cNvPr id="2" name="Title 1">
-            <a:extLst>
-              <a:ext uri="{FF2B5EF4-FFF2-40B4-BE49-F238E27FC236}">
-                <a16:creationId xmlns:a16="http://schemas.microsoft.com/office/drawing/2014/main" id="{0D39B0E8-178B-8C99-8559-12ABA3C0D632}"/>
-              </a:ext>
-            </a:extLst>
-          </p:cNvPr>
-          <p:cNvSpPr txBox="1">
-            <a:spLocks/>
-          </p:cNvSpPr>
-          <p:nvPr/>
-        </p:nvSpPr>
-        <p:spPr>
-          <a:xfrm>
-            <a:off x="5031643" y="2916194"/>
-            <a:ext cx="7160357" cy="3710197"/>
-          </a:xfrm>
-          <a:prstGeom prst="rect">
-            <a:avLst/>
-          </a:prstGeom>
-        </p:spPr>
-        <p:txBody>
-          <a:bodyPr anchor="t">
-            <a:normAutofit/>
-          </a:bodyPr>
-          <a:lstStyle>
-            <a:lvl1pPr algn="l" defTabSz="914400" rtl="0" eaLnBrk="1" latinLnBrk="0" hangingPunct="1">
-              <a:lnSpc>
-                <a:spcPct val="90000"/>
-              </a:lnSpc>
-              <a:spcBef>
-                <a:spcPct val="0"/>
-              </a:spcBef>
-              <a:buNone/>
-              <a:defRPr sz="4400" kern="1200">
-                <a:solidFill>
-                  <a:schemeClr val="tx1"/>
-                </a:solidFill>
-                <a:latin typeface="+mj-lt"/>
-                <a:ea typeface="+mj-ea"/>
-                <a:cs typeface="+mj-cs"/>
-              </a:defRPr>
-            </a:lvl1pPr>
-          </a:lstStyle>
-          <a:p>
-            <a:pPr algn="r"/>
-            <a:r>
-              <a:rPr lang="en-US" sz="3200" dirty="0">
-                <a:solidFill>
-                  <a:srgbClr val="FFFFFF"/>
-                </a:solidFill>
-              </a:rPr>
-              <a:t>Created By: </a:t>
-            </a:r>
-            <a:br>
-              <a:rPr lang="en-US" sz="3200" dirty="0">
-                <a:solidFill>
-                  <a:srgbClr val="FFFFFF"/>
-                </a:solidFill>
-              </a:rPr>
-            </a:br>
-            <a:r>
-              <a:rPr lang="en-US" sz="3200" dirty="0">
-                <a:solidFill>
-                  <a:srgbClr val="FFFFFF"/>
-                </a:solidFill>
-              </a:rPr>
-              <a:t>Billie Adkins </a:t>
-            </a:r>
-          </a:p>
-        </p:txBody>
-      </p:sp>
     </p:spTree>
     <p:extLst>
       <p:ext uri="{BB962C8B-B14F-4D97-AF65-F5344CB8AC3E}">
